--- a/chapter_06/figures/optuna_parameters_importance_gradient_boosting_xgboost.pptx
+++ b/chapter_06/figures/optuna_parameters_importance_gradient_boosting_xgboost.pptx
@@ -115,8 +115,7 @@
 <file path=ppt/revisionInfo.xml><?xml version="1.0" encoding="utf-8"?>
 <p1510:revInfo xmlns:a="http://schemas.openxmlformats.org/drawingml/2006/main" xmlns:r="http://schemas.openxmlformats.org/officeDocument/2006/relationships" xmlns:p1510="http://schemas.microsoft.com/office/powerpoint/2015/10/main">
   <p1510:revLst>
-    <p1510:client id="{19698738-8B30-4641-92DF-503FDCF97601}" v="52" dt="2025-07-03T12:06:33.727"/>
-    <p1510:client id="{2F1B825C-ADF6-458B-BD90-C6378241C558}" v="29" dt="2025-07-03T15:51:47.028"/>
+    <p1510:client id="{0AFF465E-DF38-4377-85FF-E57387D4ECC0}" v="6" dt="2025-07-04T19:47:24.286"/>
   </p1510:revLst>
 </p1510:revInfo>
 </file>
@@ -6209,8 +6208,8 @@
   </pc:docChgLst>
   <pc:docChgLst>
     <pc:chgData name="Fatima Pillosu" userId="a6295d4dc9e22643" providerId="LiveId" clId="{0AFF465E-DF38-4377-85FF-E57387D4ECC0}"/>
-    <pc:docChg chg="delSld modSld">
-      <pc:chgData name="Fatima Pillosu" userId="a6295d4dc9e22643" providerId="LiveId" clId="{0AFF465E-DF38-4377-85FF-E57387D4ECC0}" dt="2025-07-03T16:02:48.963" v="4" actId="1036"/>
+    <pc:docChg chg="custSel delSld modSld">
+      <pc:chgData name="Fatima Pillosu" userId="a6295d4dc9e22643" providerId="LiveId" clId="{0AFF465E-DF38-4377-85FF-E57387D4ECC0}" dt="2025-07-04T19:54:53.434" v="74" actId="20577"/>
       <pc:docMkLst>
         <pc:docMk/>
       </pc:docMkLst>
@@ -6235,20 +6234,260 @@
           <pc:sldMk cId="3812011166" sldId="258"/>
         </pc:sldMkLst>
       </pc:sldChg>
-      <pc:sldChg chg="modSp mod">
-        <pc:chgData name="Fatima Pillosu" userId="a6295d4dc9e22643" providerId="LiveId" clId="{0AFF465E-DF38-4377-85FF-E57387D4ECC0}" dt="2025-07-03T16:02:48.963" v="4" actId="1036"/>
+      <pc:sldChg chg="addSp delSp modSp mod">
+        <pc:chgData name="Fatima Pillosu" userId="a6295d4dc9e22643" providerId="LiveId" clId="{0AFF465E-DF38-4377-85FF-E57387D4ECC0}" dt="2025-07-04T19:54:53.434" v="74" actId="20577"/>
         <pc:sldMkLst>
           <pc:docMk/>
           <pc:sldMk cId="912548186" sldId="259"/>
         </pc:sldMkLst>
-        <pc:spChg chg="mod">
-          <ac:chgData name="Fatima Pillosu" userId="a6295d4dc9e22643" providerId="LiveId" clId="{0AFF465E-DF38-4377-85FF-E57387D4ECC0}" dt="2025-07-03T16:02:48.963" v="4" actId="1036"/>
+        <pc:spChg chg="add mod">
+          <ac:chgData name="Fatima Pillosu" userId="a6295d4dc9e22643" providerId="LiveId" clId="{0AFF465E-DF38-4377-85FF-E57387D4ECC0}" dt="2025-07-04T19:54:53.434" v="74" actId="20577"/>
+          <ac:spMkLst>
+            <pc:docMk/>
+            <pc:sldMk cId="912548186" sldId="259"/>
+            <ac:spMk id="7" creationId="{035BCFD3-12A3-DCDD-F277-7F5CD504D63D}"/>
+          </ac:spMkLst>
+        </pc:spChg>
+        <pc:spChg chg="add mod">
+          <ac:chgData name="Fatima Pillosu" userId="a6295d4dc9e22643" providerId="LiveId" clId="{0AFF465E-DF38-4377-85FF-E57387D4ECC0}" dt="2025-07-04T19:47:24.286" v="65"/>
+          <ac:spMkLst>
+            <pc:docMk/>
+            <pc:sldMk cId="912548186" sldId="259"/>
+            <ac:spMk id="9" creationId="{4D222F9D-11A9-7CED-1F3D-4D61793B5AFA}"/>
+          </ac:spMkLst>
+        </pc:spChg>
+        <pc:spChg chg="add mod">
+          <ac:chgData name="Fatima Pillosu" userId="a6295d4dc9e22643" providerId="LiveId" clId="{0AFF465E-DF38-4377-85FF-E57387D4ECC0}" dt="2025-07-04T19:47:24.286" v="65"/>
+          <ac:spMkLst>
+            <pc:docMk/>
+            <pc:sldMk cId="912548186" sldId="259"/>
+            <ac:spMk id="10" creationId="{6B25E911-FAE8-8AA7-8DAA-AB59A0FB4933}"/>
+          </ac:spMkLst>
+        </pc:spChg>
+        <pc:spChg chg="add mod">
+          <ac:chgData name="Fatima Pillosu" userId="a6295d4dc9e22643" providerId="LiveId" clId="{0AFF465E-DF38-4377-85FF-E57387D4ECC0}" dt="2025-07-04T19:47:33.124" v="67" actId="14100"/>
+          <ac:spMkLst>
+            <pc:docMk/>
+            <pc:sldMk cId="912548186" sldId="259"/>
+            <ac:spMk id="12" creationId="{831813EA-3B8E-D97E-0950-FC813909A39E}"/>
+          </ac:spMkLst>
+        </pc:spChg>
+        <pc:spChg chg="add mod">
+          <ac:chgData name="Fatima Pillosu" userId="a6295d4dc9e22643" providerId="LiveId" clId="{0AFF465E-DF38-4377-85FF-E57387D4ECC0}" dt="2025-07-04T19:47:29.952" v="66" actId="14100"/>
+          <ac:spMkLst>
+            <pc:docMk/>
+            <pc:sldMk cId="912548186" sldId="259"/>
+            <ac:spMk id="14" creationId="{55A83419-4EB9-9204-05FA-D38D7529C086}"/>
+          </ac:spMkLst>
+        </pc:spChg>
+        <pc:spChg chg="add mod">
+          <ac:chgData name="Fatima Pillosu" userId="a6295d4dc9e22643" providerId="LiveId" clId="{0AFF465E-DF38-4377-85FF-E57387D4ECC0}" dt="2025-07-04T19:47:24.286" v="65"/>
+          <ac:spMkLst>
+            <pc:docMk/>
+            <pc:sldMk cId="912548186" sldId="259"/>
+            <ac:spMk id="15" creationId="{652B856E-E4E4-9047-BBFF-468DDC8E654D}"/>
+          </ac:spMkLst>
+        </pc:spChg>
+        <pc:spChg chg="add mod">
+          <ac:chgData name="Fatima Pillosu" userId="a6295d4dc9e22643" providerId="LiveId" clId="{0AFF465E-DF38-4377-85FF-E57387D4ECC0}" dt="2025-07-04T19:47:24.286" v="65"/>
+          <ac:spMkLst>
+            <pc:docMk/>
+            <pc:sldMk cId="912548186" sldId="259"/>
+            <ac:spMk id="16" creationId="{A5FDBAA0-EE92-6B4E-3C92-E5ACFDB1B5A0}"/>
+          </ac:spMkLst>
+        </pc:spChg>
+        <pc:spChg chg="add mod">
+          <ac:chgData name="Fatima Pillosu" userId="a6295d4dc9e22643" providerId="LiveId" clId="{0AFF465E-DF38-4377-85FF-E57387D4ECC0}" dt="2025-07-04T19:47:24.286" v="65"/>
+          <ac:spMkLst>
+            <pc:docMk/>
+            <pc:sldMk cId="912548186" sldId="259"/>
+            <ac:spMk id="17" creationId="{843675A2-40B2-891E-5F4F-ED1F6353BF1D}"/>
+          </ac:spMkLst>
+        </pc:spChg>
+        <pc:spChg chg="add mod">
+          <ac:chgData name="Fatima Pillosu" userId="a6295d4dc9e22643" providerId="LiveId" clId="{0AFF465E-DF38-4377-85FF-E57387D4ECC0}" dt="2025-07-04T19:47:24.286" v="65"/>
+          <ac:spMkLst>
+            <pc:docMk/>
+            <pc:sldMk cId="912548186" sldId="259"/>
+            <ac:spMk id="18" creationId="{50072B4E-C42B-451D-4415-C1436FCB0FD8}"/>
+          </ac:spMkLst>
+        </pc:spChg>
+        <pc:spChg chg="add mod">
+          <ac:chgData name="Fatima Pillosu" userId="a6295d4dc9e22643" providerId="LiveId" clId="{0AFF465E-DF38-4377-85FF-E57387D4ECC0}" dt="2025-07-04T19:47:24.286" v="65"/>
+          <ac:spMkLst>
+            <pc:docMk/>
+            <pc:sldMk cId="912548186" sldId="259"/>
+            <ac:spMk id="22" creationId="{98170143-B2DC-A44F-7057-FC8926A6288E}"/>
+          </ac:spMkLst>
+        </pc:spChg>
+        <pc:spChg chg="add mod">
+          <ac:chgData name="Fatima Pillosu" userId="a6295d4dc9e22643" providerId="LiveId" clId="{0AFF465E-DF38-4377-85FF-E57387D4ECC0}" dt="2025-07-04T19:47:24.286" v="65"/>
+          <ac:spMkLst>
+            <pc:docMk/>
+            <pc:sldMk cId="912548186" sldId="259"/>
+            <ac:spMk id="23" creationId="{0B603991-2648-4214-465D-5872813B8345}"/>
+          </ac:spMkLst>
+        </pc:spChg>
+        <pc:spChg chg="del mod">
+          <ac:chgData name="Fatima Pillosu" userId="a6295d4dc9e22643" providerId="LiveId" clId="{0AFF465E-DF38-4377-85FF-E57387D4ECC0}" dt="2025-07-04T19:46:23.146" v="32" actId="478"/>
           <ac:spMkLst>
             <pc:docMk/>
             <pc:sldMk cId="912548186" sldId="259"/>
             <ac:spMk id="24" creationId="{7CA80247-944D-A79D-DD75-278A2FC157C4}"/>
           </ac:spMkLst>
         </pc:spChg>
+        <pc:spChg chg="del">
+          <ac:chgData name="Fatima Pillosu" userId="a6295d4dc9e22643" providerId="LiveId" clId="{0AFF465E-DF38-4377-85FF-E57387D4ECC0}" dt="2025-07-04T19:46:24.748" v="33" actId="478"/>
+          <ac:spMkLst>
+            <pc:docMk/>
+            <pc:sldMk cId="912548186" sldId="259"/>
+            <ac:spMk id="25" creationId="{11D0BEA8-4C97-735F-B454-B20FE6FD6664}"/>
+          </ac:spMkLst>
+        </pc:spChg>
+        <pc:spChg chg="del">
+          <ac:chgData name="Fatima Pillosu" userId="a6295d4dc9e22643" providerId="LiveId" clId="{0AFF465E-DF38-4377-85FF-E57387D4ECC0}" dt="2025-07-04T19:46:24.748" v="33" actId="478"/>
+          <ac:spMkLst>
+            <pc:docMk/>
+            <pc:sldMk cId="912548186" sldId="259"/>
+            <ac:spMk id="26" creationId="{C958D7B8-BC29-7508-F405-77D6128B8AFF}"/>
+          </ac:spMkLst>
+        </pc:spChg>
+        <pc:spChg chg="del">
+          <ac:chgData name="Fatima Pillosu" userId="a6295d4dc9e22643" providerId="LiveId" clId="{0AFF465E-DF38-4377-85FF-E57387D4ECC0}" dt="2025-07-04T19:46:23.146" v="32" actId="478"/>
+          <ac:spMkLst>
+            <pc:docMk/>
+            <pc:sldMk cId="912548186" sldId="259"/>
+            <ac:spMk id="31" creationId="{204795FA-B9E8-F8C0-D0CC-0DA8FCD26B47}"/>
+          </ac:spMkLst>
+        </pc:spChg>
+        <pc:spChg chg="del">
+          <ac:chgData name="Fatima Pillosu" userId="a6295d4dc9e22643" providerId="LiveId" clId="{0AFF465E-DF38-4377-85FF-E57387D4ECC0}" dt="2025-07-04T19:46:23.146" v="32" actId="478"/>
+          <ac:spMkLst>
+            <pc:docMk/>
+            <pc:sldMk cId="912548186" sldId="259"/>
+            <ac:spMk id="32" creationId="{AEF58A4C-D7E5-1DB7-8CBA-638A2D2BAD88}"/>
+          </ac:spMkLst>
+        </pc:spChg>
+        <pc:picChg chg="add del mod">
+          <ac:chgData name="Fatima Pillosu" userId="a6295d4dc9e22643" providerId="LiveId" clId="{0AFF465E-DF38-4377-85FF-E57387D4ECC0}" dt="2025-07-04T19:46:52.418" v="39" actId="478"/>
+          <ac:picMkLst>
+            <pc:docMk/>
+            <pc:sldMk cId="912548186" sldId="259"/>
+            <ac:picMk id="2" creationId="{05181C13-B931-EAF7-E75C-7A9027C690ED}"/>
+          </ac:picMkLst>
+        </pc:picChg>
+        <pc:picChg chg="add del mod">
+          <ac:chgData name="Fatima Pillosu" userId="a6295d4dc9e22643" providerId="LiveId" clId="{0AFF465E-DF38-4377-85FF-E57387D4ECC0}" dt="2025-07-04T19:46:52.418" v="39" actId="478"/>
+          <ac:picMkLst>
+            <pc:docMk/>
+            <pc:sldMk cId="912548186" sldId="259"/>
+            <ac:picMk id="3" creationId="{190B169B-DCB7-72B1-22FB-E315766B0F06}"/>
+          </ac:picMkLst>
+        </pc:picChg>
+        <pc:picChg chg="del mod">
+          <ac:chgData name="Fatima Pillosu" userId="a6295d4dc9e22643" providerId="LiveId" clId="{0AFF465E-DF38-4377-85FF-E57387D4ECC0}" dt="2025-07-04T14:26:00.993" v="30" actId="478"/>
+          <ac:picMkLst>
+            <pc:docMk/>
+            <pc:sldMk cId="912548186" sldId="259"/>
+            <ac:picMk id="3" creationId="{8ABC37FA-330B-F558-D3AF-9B3F796BFDBE}"/>
+          </ac:picMkLst>
+        </pc:picChg>
+        <pc:picChg chg="add mod ord">
+          <ac:chgData name="Fatima Pillosu" userId="a6295d4dc9e22643" providerId="LiveId" clId="{0AFF465E-DF38-4377-85FF-E57387D4ECC0}" dt="2025-07-04T19:47:04.255" v="41" actId="553"/>
+          <ac:picMkLst>
+            <pc:docMk/>
+            <pc:sldMk cId="912548186" sldId="259"/>
+            <ac:picMk id="4" creationId="{A40A1C97-FE9D-B494-F3AA-2B80E1847F0D}"/>
+          </ac:picMkLst>
+        </pc:picChg>
+        <pc:picChg chg="del mod">
+          <ac:chgData name="Fatima Pillosu" userId="a6295d4dc9e22643" providerId="LiveId" clId="{0AFF465E-DF38-4377-85FF-E57387D4ECC0}" dt="2025-07-04T14:26:00.993" v="30" actId="478"/>
+          <ac:picMkLst>
+            <pc:docMk/>
+            <pc:sldMk cId="912548186" sldId="259"/>
+            <ac:picMk id="5" creationId="{86A61530-DFA4-4A8E-362A-A602EA3C0C38}"/>
+          </ac:picMkLst>
+        </pc:picChg>
+        <pc:picChg chg="add del mod">
+          <ac:chgData name="Fatima Pillosu" userId="a6295d4dc9e22643" providerId="LiveId" clId="{0AFF465E-DF38-4377-85FF-E57387D4ECC0}" dt="2025-07-04T19:46:52.418" v="39" actId="478"/>
+          <ac:picMkLst>
+            <pc:docMk/>
+            <pc:sldMk cId="912548186" sldId="259"/>
+            <ac:picMk id="5" creationId="{DA7C6DC8-1671-6064-E480-1AB4863ACE40}"/>
+          </ac:picMkLst>
+        </pc:picChg>
+        <pc:picChg chg="add del mod">
+          <ac:chgData name="Fatima Pillosu" userId="a6295d4dc9e22643" providerId="LiveId" clId="{0AFF465E-DF38-4377-85FF-E57387D4ECC0}" dt="2025-07-04T19:46:52.418" v="39" actId="478"/>
+          <ac:picMkLst>
+            <pc:docMk/>
+            <pc:sldMk cId="912548186" sldId="259"/>
+            <ac:picMk id="6" creationId="{542493A4-87F7-BE9C-4A23-9E5EDC6C0933}"/>
+          </ac:picMkLst>
+        </pc:picChg>
+        <pc:picChg chg="del mod">
+          <ac:chgData name="Fatima Pillosu" userId="a6295d4dc9e22643" providerId="LiveId" clId="{0AFF465E-DF38-4377-85FF-E57387D4ECC0}" dt="2025-07-04T14:26:00.993" v="30" actId="478"/>
+          <ac:picMkLst>
+            <pc:docMk/>
+            <pc:sldMk cId="912548186" sldId="259"/>
+            <ac:picMk id="7" creationId="{2DFAC2BE-249E-09AD-4DB6-EC4E95FD3E18}"/>
+          </ac:picMkLst>
+        </pc:picChg>
+        <pc:picChg chg="add mod ord">
+          <ac:chgData name="Fatima Pillosu" userId="a6295d4dc9e22643" providerId="LiveId" clId="{0AFF465E-DF38-4377-85FF-E57387D4ECC0}" dt="2025-07-04T19:46:59.331" v="40" actId="553"/>
+          <ac:picMkLst>
+            <pc:docMk/>
+            <pc:sldMk cId="912548186" sldId="259"/>
+            <ac:picMk id="8" creationId="{50950FC9-2EB7-7308-C92D-0FE4CAAE4735}"/>
+          </ac:picMkLst>
+        </pc:picChg>
+        <pc:picChg chg="del mod">
+          <ac:chgData name="Fatima Pillosu" userId="a6295d4dc9e22643" providerId="LiveId" clId="{0AFF465E-DF38-4377-85FF-E57387D4ECC0}" dt="2025-07-04T14:26:00.993" v="30" actId="478"/>
+          <ac:picMkLst>
+            <pc:docMk/>
+            <pc:sldMk cId="912548186" sldId="259"/>
+            <ac:picMk id="9" creationId="{53886694-112B-AF2D-5039-59268D49DA25}"/>
+          </ac:picMkLst>
+        </pc:picChg>
+        <pc:picChg chg="add mod ord">
+          <ac:chgData name="Fatima Pillosu" userId="a6295d4dc9e22643" providerId="LiveId" clId="{0AFF465E-DF38-4377-85FF-E57387D4ECC0}" dt="2025-07-04T19:47:17.153" v="64" actId="1035"/>
+          <ac:picMkLst>
+            <pc:docMk/>
+            <pc:sldMk cId="912548186" sldId="259"/>
+            <ac:picMk id="11" creationId="{193F2429-B324-66E0-4CF8-473077A51EE4}"/>
+          </ac:picMkLst>
+        </pc:picChg>
+        <pc:picChg chg="add mod ord">
+          <ac:chgData name="Fatima Pillosu" userId="a6295d4dc9e22643" providerId="LiveId" clId="{0AFF465E-DF38-4377-85FF-E57387D4ECC0}" dt="2025-07-04T19:47:17.153" v="64" actId="1035"/>
+          <ac:picMkLst>
+            <pc:docMk/>
+            <pc:sldMk cId="912548186" sldId="259"/>
+            <ac:picMk id="13" creationId="{336A1C6C-0753-B279-589E-8E37CA6AA769}"/>
+          </ac:picMkLst>
+        </pc:picChg>
+        <pc:cxnChg chg="add mod">
+          <ac:chgData name="Fatima Pillosu" userId="a6295d4dc9e22643" providerId="LiveId" clId="{0AFF465E-DF38-4377-85FF-E57387D4ECC0}" dt="2025-07-04T19:47:24.286" v="65"/>
+          <ac:cxnSpMkLst>
+            <pc:docMk/>
+            <pc:sldMk cId="912548186" sldId="259"/>
+            <ac:cxnSpMk id="19" creationId="{B6A9D35A-D10D-BE9E-8F33-35348A37A8D5}"/>
+          </ac:cxnSpMkLst>
+        </pc:cxnChg>
+        <pc:cxnChg chg="add mod">
+          <ac:chgData name="Fatima Pillosu" userId="a6295d4dc9e22643" providerId="LiveId" clId="{0AFF465E-DF38-4377-85FF-E57387D4ECC0}" dt="2025-07-04T19:47:24.286" v="65"/>
+          <ac:cxnSpMkLst>
+            <pc:docMk/>
+            <pc:sldMk cId="912548186" sldId="259"/>
+            <ac:cxnSpMk id="20" creationId="{34D37ED8-79E0-0A8E-34AA-EC67A5563BAE}"/>
+          </ac:cxnSpMkLst>
+        </pc:cxnChg>
+        <pc:cxnChg chg="add mod">
+          <ac:chgData name="Fatima Pillosu" userId="a6295d4dc9e22643" providerId="LiveId" clId="{0AFF465E-DF38-4377-85FF-E57387D4ECC0}" dt="2025-07-04T19:47:24.286" v="65"/>
+          <ac:cxnSpMkLst>
+            <pc:docMk/>
+            <pc:sldMk cId="912548186" sldId="259"/>
+            <ac:cxnSpMk id="21" creationId="{6416FD4B-8177-F979-6DD2-E31D8A83F824}"/>
+          </ac:cxnSpMkLst>
+        </pc:cxnChg>
       </pc:sldChg>
       <pc:sldChg chg="del">
         <pc:chgData name="Fatima Pillosu" userId="a6295d4dc9e22643" providerId="LiveId" clId="{0AFF465E-DF38-4377-85FF-E57387D4ECC0}" dt="2025-07-03T16:02:43.810" v="1" actId="47"/>
@@ -6400,7 +6639,7 @@
           <a:p>
             <a:fld id="{F0820250-0589-45C6-A87F-3E34BBC48915}" type="datetimeFigureOut">
               <a:rPr lang="en-GB" smtClean="0"/>
-              <a:t>03/07/2025</a:t>
+              <a:t>04/07/2025</a:t>
             </a:fld>
             <a:endParaRPr lang="en-GB"/>
           </a:p>
@@ -6570,7 +6809,7 @@
           <a:p>
             <a:fld id="{F0820250-0589-45C6-A87F-3E34BBC48915}" type="datetimeFigureOut">
               <a:rPr lang="en-GB" smtClean="0"/>
-              <a:t>03/07/2025</a:t>
+              <a:t>04/07/2025</a:t>
             </a:fld>
             <a:endParaRPr lang="en-GB"/>
           </a:p>
@@ -6750,7 +6989,7 @@
           <a:p>
             <a:fld id="{F0820250-0589-45C6-A87F-3E34BBC48915}" type="datetimeFigureOut">
               <a:rPr lang="en-GB" smtClean="0"/>
-              <a:t>03/07/2025</a:t>
+              <a:t>04/07/2025</a:t>
             </a:fld>
             <a:endParaRPr lang="en-GB"/>
           </a:p>
@@ -6920,7 +7159,7 @@
           <a:p>
             <a:fld id="{F0820250-0589-45C6-A87F-3E34BBC48915}" type="datetimeFigureOut">
               <a:rPr lang="en-GB" smtClean="0"/>
-              <a:t>03/07/2025</a:t>
+              <a:t>04/07/2025</a:t>
             </a:fld>
             <a:endParaRPr lang="en-GB"/>
           </a:p>
@@ -7166,7 +7405,7 @@
           <a:p>
             <a:fld id="{F0820250-0589-45C6-A87F-3E34BBC48915}" type="datetimeFigureOut">
               <a:rPr lang="en-GB" smtClean="0"/>
-              <a:t>03/07/2025</a:t>
+              <a:t>04/07/2025</a:t>
             </a:fld>
             <a:endParaRPr lang="en-GB"/>
           </a:p>
@@ -7398,7 +7637,7 @@
           <a:p>
             <a:fld id="{F0820250-0589-45C6-A87F-3E34BBC48915}" type="datetimeFigureOut">
               <a:rPr lang="en-GB" smtClean="0"/>
-              <a:t>03/07/2025</a:t>
+              <a:t>04/07/2025</a:t>
             </a:fld>
             <a:endParaRPr lang="en-GB"/>
           </a:p>
@@ -7765,7 +8004,7 @@
           <a:p>
             <a:fld id="{F0820250-0589-45C6-A87F-3E34BBC48915}" type="datetimeFigureOut">
               <a:rPr lang="en-GB" smtClean="0"/>
-              <a:t>03/07/2025</a:t>
+              <a:t>04/07/2025</a:t>
             </a:fld>
             <a:endParaRPr lang="en-GB"/>
           </a:p>
@@ -7883,7 +8122,7 @@
           <a:p>
             <a:fld id="{F0820250-0589-45C6-A87F-3E34BBC48915}" type="datetimeFigureOut">
               <a:rPr lang="en-GB" smtClean="0"/>
-              <a:t>03/07/2025</a:t>
+              <a:t>04/07/2025</a:t>
             </a:fld>
             <a:endParaRPr lang="en-GB"/>
           </a:p>
@@ -7978,7 +8217,7 @@
           <a:p>
             <a:fld id="{F0820250-0589-45C6-A87F-3E34BBC48915}" type="datetimeFigureOut">
               <a:rPr lang="en-GB" smtClean="0"/>
-              <a:t>03/07/2025</a:t>
+              <a:t>04/07/2025</a:t>
             </a:fld>
             <a:endParaRPr lang="en-GB"/>
           </a:p>
@@ -8255,7 +8494,7 @@
           <a:p>
             <a:fld id="{F0820250-0589-45C6-A87F-3E34BBC48915}" type="datetimeFigureOut">
               <a:rPr lang="en-GB" smtClean="0"/>
-              <a:t>03/07/2025</a:t>
+              <a:t>04/07/2025</a:t>
             </a:fld>
             <a:endParaRPr lang="en-GB"/>
           </a:p>
@@ -8512,7 +8751,7 @@
           <a:p>
             <a:fld id="{F0820250-0589-45C6-A87F-3E34BBC48915}" type="datetimeFigureOut">
               <a:rPr lang="en-GB" smtClean="0"/>
-              <a:t>03/07/2025</a:t>
+              <a:t>04/07/2025</a:t>
             </a:fld>
             <a:endParaRPr lang="en-GB"/>
           </a:p>
@@ -8725,7 +8964,7 @@
           <a:p>
             <a:fld id="{F0820250-0589-45C6-A87F-3E34BBC48915}" type="datetimeFigureOut">
               <a:rPr lang="en-GB" smtClean="0"/>
-              <a:t>03/07/2025</a:t>
+              <a:t>04/07/2025</a:t>
             </a:fld>
             <a:endParaRPr lang="en-GB"/>
           </a:p>
@@ -9132,10 +9371,10 @@
       </p:grpSpPr>
       <p:pic>
         <p:nvPicPr>
-          <p:cNvPr id="3" name="Picture 2" descr="A graph of a number of numbers&#10;&#10;AI-generated content may be incorrect.">
+          <p:cNvPr id="4" name="Picture 3" descr="A graph of a number of numbers&#10;&#10;AI-generated content may be incorrect.">
             <a:extLst>
               <a:ext uri="{FF2B5EF4-FFF2-40B4-BE49-F238E27FC236}">
-                <a16:creationId xmlns:a16="http://schemas.microsoft.com/office/drawing/2014/main" id="{8ABC37FA-330B-F558-D3AF-9B3F796BFDBE}"/>
+                <a16:creationId xmlns:a16="http://schemas.microsoft.com/office/drawing/2014/main" id="{A40A1C97-FE9D-B494-F3AA-2B80E1847F0D}"/>
               </a:ext>
             </a:extLst>
           </p:cNvPr>
@@ -9158,8 +9397,8 @@
         </p:blipFill>
         <p:spPr>
           <a:xfrm>
-            <a:off x="301240" y="477863"/>
-            <a:ext cx="2025000" cy="1620000"/>
+            <a:off x="301240" y="963471"/>
+            <a:ext cx="1800000" cy="1440000"/>
           </a:xfrm>
           <a:prstGeom prst="rect">
             <a:avLst/>
@@ -9168,10 +9407,10 @@
       </p:pic>
       <p:pic>
         <p:nvPicPr>
-          <p:cNvPr id="5" name="Picture 4" descr="A graph of a number of numbers&#10;&#10;AI-generated content may be incorrect.">
+          <p:cNvPr id="8" name="Picture 7" descr="A graph of a number of numbers&#10;&#10;AI-generated content may be incorrect.">
             <a:extLst>
               <a:ext uri="{FF2B5EF4-FFF2-40B4-BE49-F238E27FC236}">
-                <a16:creationId xmlns:a16="http://schemas.microsoft.com/office/drawing/2014/main" id="{86A61530-DFA4-4A8E-362A-A602EA3C0C38}"/>
+                <a16:creationId xmlns:a16="http://schemas.microsoft.com/office/drawing/2014/main" id="{50950FC9-2EB7-7308-C92D-0FE4CAAE4735}"/>
               </a:ext>
             </a:extLst>
           </p:cNvPr>
@@ -9194,8 +9433,8 @@
         </p:blipFill>
         <p:spPr>
           <a:xfrm>
-            <a:off x="2295035" y="477863"/>
-            <a:ext cx="2025000" cy="1620000"/>
+            <a:off x="2456960" y="963471"/>
+            <a:ext cx="1800000" cy="1440000"/>
           </a:xfrm>
           <a:prstGeom prst="rect">
             <a:avLst/>
@@ -9204,10 +9443,10 @@
       </p:pic>
       <p:pic>
         <p:nvPicPr>
-          <p:cNvPr id="7" name="Picture 6" descr="A graph of a number of numbers&#10;&#10;AI-generated content may be incorrect.">
+          <p:cNvPr id="11" name="Picture 10" descr="A graph of a number of numbers&#10;&#10;AI-generated content may be incorrect.">
             <a:extLst>
               <a:ext uri="{FF2B5EF4-FFF2-40B4-BE49-F238E27FC236}">
-                <a16:creationId xmlns:a16="http://schemas.microsoft.com/office/drawing/2014/main" id="{2DFAC2BE-249E-09AD-4DB6-EC4E95FD3E18}"/>
+                <a16:creationId xmlns:a16="http://schemas.microsoft.com/office/drawing/2014/main" id="{193F2429-B324-66E0-4CF8-473077A51EE4}"/>
               </a:ext>
             </a:extLst>
           </p:cNvPr>
@@ -9230,8 +9469,8 @@
         </p:blipFill>
         <p:spPr>
           <a:xfrm>
-            <a:off x="301240" y="2047181"/>
-            <a:ext cx="2025000" cy="1620000"/>
+            <a:off x="301240" y="2247206"/>
+            <a:ext cx="1800000" cy="1440000"/>
           </a:xfrm>
           <a:prstGeom prst="rect">
             <a:avLst/>
@@ -9240,10 +9479,10 @@
       </p:pic>
       <p:pic>
         <p:nvPicPr>
-          <p:cNvPr id="9" name="Picture 8" descr="A graph of a number of numbers&#10;&#10;AI-generated content may be incorrect.">
+          <p:cNvPr id="13" name="Picture 12" descr="A graph of a number of numbers&#10;&#10;AI-generated content may be incorrect.">
             <a:extLst>
               <a:ext uri="{FF2B5EF4-FFF2-40B4-BE49-F238E27FC236}">
-                <a16:creationId xmlns:a16="http://schemas.microsoft.com/office/drawing/2014/main" id="{53886694-112B-AF2D-5039-59268D49DA25}"/>
+                <a16:creationId xmlns:a16="http://schemas.microsoft.com/office/drawing/2014/main" id="{336A1C6C-0753-B279-589E-8E37CA6AA769}"/>
               </a:ext>
             </a:extLst>
           </p:cNvPr>
@@ -9266,8 +9505,8 @@
         </p:blipFill>
         <p:spPr>
           <a:xfrm>
-            <a:off x="2295035" y="2047181"/>
-            <a:ext cx="2025000" cy="1620000"/>
+            <a:off x="2456960" y="2247206"/>
+            <a:ext cx="1800000" cy="1440000"/>
           </a:xfrm>
           <a:prstGeom prst="rect">
             <a:avLst/>
@@ -9276,10 +9515,10 @@
       </p:pic>
       <p:sp>
         <p:nvSpPr>
-          <p:cNvPr id="24" name="Rectangle 23">
+          <p:cNvPr id="7" name="Rectangle 6">
             <a:extLst>
               <a:ext uri="{FF2B5EF4-FFF2-40B4-BE49-F238E27FC236}">
-                <a16:creationId xmlns:a16="http://schemas.microsoft.com/office/drawing/2014/main" id="{7CA80247-944D-A79D-DD75-278A2FC157C4}"/>
+                <a16:creationId xmlns:a16="http://schemas.microsoft.com/office/drawing/2014/main" id="{035BCFD3-12A3-DCDD-F277-7F5CD504D63D}"/>
               </a:ext>
             </a:extLst>
           </p:cNvPr>
@@ -9320,7 +9559,7 @@
           <a:lstStyle/>
           <a:p>
             <a:r>
-              <a:rPr lang="en-GB" sz="1333" b="1" dirty="0">
+              <a:rPr lang="en-GB" sz="1200" b="1" dirty="0">
                 <a:solidFill>
                   <a:schemeClr val="tx1">
                     <a:lumMod val="75000"/>
@@ -9330,12 +9569,48 @@
                 <a:latin typeface="Calibri" panose="020F0502020204030204" pitchFamily="34" charset="0"/>
                 <a:cs typeface="Calibri" panose="020F0502020204030204" pitchFamily="34" charset="0"/>
               </a:rPr>
-              <a:t>Optuna hyperparameter importance</a:t>
+              <a:t>Optuna’s hyperparameter tuning – Hyperparameter importance</a:t>
             </a:r>
           </a:p>
           <a:p>
             <a:r>
-              <a:rPr lang="en-GB" sz="1111" dirty="0">
+              <a:rPr lang="en-GB" sz="1000" dirty="0">
+                <a:solidFill>
+                  <a:schemeClr val="tx1">
+                    <a:lumMod val="75000"/>
+                    <a:lumOff val="25000"/>
+                  </a:schemeClr>
+                </a:solidFill>
+                <a:latin typeface="Calibri Light" panose="020F0302020204030204" pitchFamily="34" charset="0"/>
+                <a:cs typeface="Calibri Light" panose="020F0302020204030204" pitchFamily="34" charset="0"/>
+              </a:rPr>
+              <a:t>Evaluated over the </a:t>
+            </a:r>
+            <a:r>
+              <a:rPr lang="en-GB" sz="1000" b="1" dirty="0">
+                <a:solidFill>
+                  <a:srgbClr val="FF0066"/>
+                </a:solidFill>
+                <a:latin typeface="Calibri" panose="020F0502020204030204" pitchFamily="34" charset="0"/>
+                <a:cs typeface="Calibri" panose="020F0502020204030204" pitchFamily="34" charset="0"/>
+              </a:rPr>
+              <a:t>inner training </a:t>
+            </a:r>
+            <a:r>
+              <a:rPr lang="en-GB" sz="1000" dirty="0">
+                <a:solidFill>
+                  <a:schemeClr val="tx1">
+                    <a:lumMod val="75000"/>
+                    <a:lumOff val="25000"/>
+                  </a:schemeClr>
+                </a:solidFill>
+                <a:latin typeface="Calibri Light" panose="020F0302020204030204" pitchFamily="34" charset="0"/>
+                <a:cs typeface="Calibri Light" panose="020F0302020204030204" pitchFamily="34" charset="0"/>
+              </a:rPr>
+              <a:t>datasets for </a:t>
+            </a:r>
+            <a:r>
+              <a:rPr lang="en-GB" sz="1000" u="sng" dirty="0">
                 <a:solidFill>
                   <a:schemeClr val="tx1">
                     <a:lumMod val="75000"/>
@@ -9352,10 +9627,10 @@
       </p:sp>
       <p:sp>
         <p:nvSpPr>
-          <p:cNvPr id="25" name="Rectangle 24">
+          <p:cNvPr id="9" name="Rectangle 8">
             <a:extLst>
               <a:ext uri="{FF2B5EF4-FFF2-40B4-BE49-F238E27FC236}">
-                <a16:creationId xmlns:a16="http://schemas.microsoft.com/office/drawing/2014/main" id="{11D0BEA8-4C97-735F-B454-B20FE6FD6664}"/>
+                <a16:creationId xmlns:a16="http://schemas.microsoft.com/office/drawing/2014/main" id="{4D222F9D-11A9-7CED-1F3D-4D61793B5AFA}"/>
               </a:ext>
             </a:extLst>
           </p:cNvPr>
@@ -9364,8 +9639,8 @@
         </p:nvSpPr>
         <p:spPr>
           <a:xfrm>
-            <a:off x="-65904" y="560685"/>
-            <a:ext cx="360000" cy="1285103"/>
+            <a:off x="-65904" y="1019257"/>
+            <a:ext cx="360000" cy="1167935"/>
           </a:xfrm>
           <a:prstGeom prst="rect">
             <a:avLst/>
@@ -9440,10 +9715,10 @@
       </p:sp>
       <p:sp>
         <p:nvSpPr>
-          <p:cNvPr id="26" name="Rectangle 25">
+          <p:cNvPr id="10" name="Rectangle 9">
             <a:extLst>
               <a:ext uri="{FF2B5EF4-FFF2-40B4-BE49-F238E27FC236}">
-                <a16:creationId xmlns:a16="http://schemas.microsoft.com/office/drawing/2014/main" id="{C958D7B8-BC29-7508-F405-77D6128B8AFF}"/>
+                <a16:creationId xmlns:a16="http://schemas.microsoft.com/office/drawing/2014/main" id="{6B25E911-FAE8-8AA7-8DAA-AB59A0FB4933}"/>
               </a:ext>
             </a:extLst>
           </p:cNvPr>
@@ -9452,8 +9727,8 @@
         </p:nvSpPr>
         <p:spPr>
           <a:xfrm>
-            <a:off x="-65904" y="2069288"/>
-            <a:ext cx="360000" cy="1345818"/>
+            <a:off x="-65904" y="2299485"/>
+            <a:ext cx="360000" cy="1167935"/>
           </a:xfrm>
           <a:prstGeom prst="rect">
             <a:avLst/>
@@ -9528,10 +9803,10 @@
       </p:sp>
       <p:sp>
         <p:nvSpPr>
-          <p:cNvPr id="31" name="Rectangle 30">
+          <p:cNvPr id="12" name="Rectangle 11">
             <a:extLst>
               <a:ext uri="{FF2B5EF4-FFF2-40B4-BE49-F238E27FC236}">
-                <a16:creationId xmlns:a16="http://schemas.microsoft.com/office/drawing/2014/main" id="{204795FA-B9E8-F8C0-D0CC-0DA8FCD26B47}"/>
+                <a16:creationId xmlns:a16="http://schemas.microsoft.com/office/drawing/2014/main" id="{831813EA-3B8E-D97E-0950-FC813909A39E}"/>
               </a:ext>
             </a:extLst>
           </p:cNvPr>
@@ -9540,8 +9815,8 @@
         </p:nvSpPr>
         <p:spPr>
           <a:xfrm>
-            <a:off x="840259" y="353649"/>
-            <a:ext cx="1421770" cy="180000"/>
+            <a:off x="916153" y="830711"/>
+            <a:ext cx="1108401" cy="175081"/>
           </a:xfrm>
           <a:prstGeom prst="rect">
             <a:avLst/>
@@ -9600,10 +9875,10 @@
       </p:sp>
       <p:sp>
         <p:nvSpPr>
-          <p:cNvPr id="32" name="Rectangle 31">
+          <p:cNvPr id="14" name="Rectangle 13">
             <a:extLst>
               <a:ext uri="{FF2B5EF4-FFF2-40B4-BE49-F238E27FC236}">
-                <a16:creationId xmlns:a16="http://schemas.microsoft.com/office/drawing/2014/main" id="{AEF58A4C-D7E5-1DB7-8CBA-638A2D2BAD88}"/>
+                <a16:creationId xmlns:a16="http://schemas.microsoft.com/office/drawing/2014/main" id="{55A83419-4EB9-9204-05FA-D38D7529C086}"/>
               </a:ext>
             </a:extLst>
           </p:cNvPr>
@@ -9612,8 +9887,8 @@
         </p:nvSpPr>
         <p:spPr>
           <a:xfrm>
-            <a:off x="2832306" y="355747"/>
-            <a:ext cx="1421771" cy="180000"/>
+            <a:off x="3076575" y="825793"/>
+            <a:ext cx="1108401" cy="179999"/>
           </a:xfrm>
           <a:prstGeom prst="rect">
             <a:avLst/>
@@ -9666,6 +9941,538 @@
               </a:solidFill>
               <a:latin typeface="Calibri" panose="020F0502020204030204" pitchFamily="34" charset="0"/>
               <a:cs typeface="Calibri" panose="020F0502020204030204" pitchFamily="34" charset="0"/>
+            </a:endParaRPr>
+          </a:p>
+        </p:txBody>
+      </p:sp>
+      <p:sp>
+        <p:nvSpPr>
+          <p:cNvPr id="15" name="Rectangle 14">
+            <a:extLst>
+              <a:ext uri="{FF2B5EF4-FFF2-40B4-BE49-F238E27FC236}">
+                <a16:creationId xmlns:a16="http://schemas.microsoft.com/office/drawing/2014/main" id="{652B856E-E4E4-9047-BBFF-468DDC8E654D}"/>
+              </a:ext>
+            </a:extLst>
+          </p:cNvPr>
+          <p:cNvSpPr/>
+          <p:nvPr/>
+        </p:nvSpPr>
+        <p:spPr>
+          <a:xfrm>
+            <a:off x="1600897" y="535468"/>
+            <a:ext cx="493980" cy="255919"/>
+          </a:xfrm>
+          <a:prstGeom prst="rect">
+            <a:avLst/>
+          </a:prstGeom>
+          <a:noFill/>
+          <a:ln w="3175">
+            <a:noFill/>
+          </a:ln>
+        </p:spPr>
+        <p:style>
+          <a:lnRef idx="2">
+            <a:schemeClr val="accent1">
+              <a:shade val="15000"/>
+            </a:schemeClr>
+          </a:lnRef>
+          <a:fillRef idx="1">
+            <a:schemeClr val="accent1"/>
+          </a:fillRef>
+          <a:effectRef idx="0">
+            <a:schemeClr val="accent1"/>
+          </a:effectRef>
+          <a:fontRef idx="minor">
+            <a:schemeClr val="lt1"/>
+          </a:fontRef>
+        </p:style>
+        <p:txBody>
+          <a:bodyPr rtlCol="0" anchor="ctr"/>
+          <a:lstStyle/>
+          <a:p>
+            <a:pPr algn="ctr"/>
+            <a:r>
+              <a:rPr lang="en-US" sz="800" dirty="0">
+                <a:solidFill>
+                  <a:schemeClr val="tx1">
+                    <a:lumMod val="75000"/>
+                    <a:lumOff val="25000"/>
+                  </a:schemeClr>
+                </a:solidFill>
+                <a:latin typeface="Calibri Light" panose="020F0302020204030204" pitchFamily="34" charset="0"/>
+                <a:cs typeface="Calibri Light" panose="020F0302020204030204" pitchFamily="34" charset="0"/>
+              </a:rPr>
+              <a:t>mean</a:t>
+            </a:r>
+            <a:endParaRPr lang="en-GB" sz="800" dirty="0">
+              <a:solidFill>
+                <a:schemeClr val="tx1">
+                  <a:lumMod val="75000"/>
+                  <a:lumOff val="25000"/>
+                </a:schemeClr>
+              </a:solidFill>
+              <a:latin typeface="Calibri Light" panose="020F0302020204030204" pitchFamily="34" charset="0"/>
+              <a:cs typeface="Calibri Light" panose="020F0302020204030204" pitchFamily="34" charset="0"/>
+            </a:endParaRPr>
+          </a:p>
+        </p:txBody>
+      </p:sp>
+      <p:sp>
+        <p:nvSpPr>
+          <p:cNvPr id="16" name="Rectangle 15">
+            <a:extLst>
+              <a:ext uri="{FF2B5EF4-FFF2-40B4-BE49-F238E27FC236}">
+                <a16:creationId xmlns:a16="http://schemas.microsoft.com/office/drawing/2014/main" id="{A5FDBAA0-EE92-6B4E-3C92-E5ACFDB1B5A0}"/>
+              </a:ext>
+            </a:extLst>
+          </p:cNvPr>
+          <p:cNvSpPr/>
+          <p:nvPr/>
+        </p:nvSpPr>
+        <p:spPr>
+          <a:xfrm>
+            <a:off x="2357575" y="562591"/>
+            <a:ext cx="1003153" cy="185815"/>
+          </a:xfrm>
+          <a:prstGeom prst="rect">
+            <a:avLst/>
+          </a:prstGeom>
+          <a:noFill/>
+          <a:ln w="3175">
+            <a:noFill/>
+          </a:ln>
+        </p:spPr>
+        <p:style>
+          <a:lnRef idx="2">
+            <a:schemeClr val="accent1">
+              <a:shade val="15000"/>
+            </a:schemeClr>
+          </a:lnRef>
+          <a:fillRef idx="1">
+            <a:schemeClr val="accent1"/>
+          </a:fillRef>
+          <a:effectRef idx="0">
+            <a:schemeClr val="accent1"/>
+          </a:effectRef>
+          <a:fontRef idx="minor">
+            <a:schemeClr val="lt1"/>
+          </a:fontRef>
+        </p:style>
+        <p:txBody>
+          <a:bodyPr rtlCol="0" anchor="ctr"/>
+          <a:lstStyle/>
+          <a:p>
+            <a:pPr algn="ctr"/>
+            <a:r>
+              <a:rPr lang="en-US" sz="800" dirty="0">
+                <a:solidFill>
+                  <a:schemeClr val="tx1">
+                    <a:lumMod val="75000"/>
+                    <a:lumOff val="25000"/>
+                  </a:schemeClr>
+                </a:solidFill>
+                <a:latin typeface="Calibri Light" panose="020F0302020204030204" pitchFamily="34" charset="0"/>
+                <a:cs typeface="Calibri Light" panose="020F0302020204030204" pitchFamily="34" charset="0"/>
+              </a:rPr>
+              <a:t>over Optuna’s trials</a:t>
+            </a:r>
+            <a:endParaRPr lang="en-GB" sz="800" dirty="0">
+              <a:solidFill>
+                <a:schemeClr val="tx1">
+                  <a:lumMod val="75000"/>
+                  <a:lumOff val="25000"/>
+                </a:schemeClr>
+              </a:solidFill>
+              <a:latin typeface="Calibri Light" panose="020F0302020204030204" pitchFamily="34" charset="0"/>
+              <a:cs typeface="Calibri Light" panose="020F0302020204030204" pitchFamily="34" charset="0"/>
+            </a:endParaRPr>
+          </a:p>
+        </p:txBody>
+      </p:sp>
+      <p:sp>
+        <p:nvSpPr>
+          <p:cNvPr id="17" name="Rectangle 16">
+            <a:extLst>
+              <a:ext uri="{FF2B5EF4-FFF2-40B4-BE49-F238E27FC236}">
+                <a16:creationId xmlns:a16="http://schemas.microsoft.com/office/drawing/2014/main" id="{843675A2-40B2-891E-5F4F-ED1F6353BF1D}"/>
+              </a:ext>
+            </a:extLst>
+          </p:cNvPr>
+          <p:cNvSpPr/>
+          <p:nvPr/>
+        </p:nvSpPr>
+        <p:spPr>
+          <a:xfrm>
+            <a:off x="1206191" y="411277"/>
+            <a:ext cx="2083938" cy="328339"/>
+          </a:xfrm>
+          <a:prstGeom prst="rect">
+            <a:avLst/>
+          </a:prstGeom>
+          <a:noFill/>
+          <a:ln w="3175">
+            <a:solidFill>
+              <a:schemeClr val="bg1">
+                <a:lumMod val="85000"/>
+              </a:schemeClr>
+            </a:solidFill>
+          </a:ln>
+        </p:spPr>
+        <p:style>
+          <a:lnRef idx="2">
+            <a:schemeClr val="accent1">
+              <a:shade val="15000"/>
+            </a:schemeClr>
+          </a:lnRef>
+          <a:fillRef idx="1">
+            <a:schemeClr val="accent1"/>
+          </a:fillRef>
+          <a:effectRef idx="0">
+            <a:schemeClr val="accent1"/>
+          </a:effectRef>
+          <a:fontRef idx="minor">
+            <a:schemeClr val="lt1"/>
+          </a:fontRef>
+        </p:style>
+        <p:txBody>
+          <a:bodyPr rtlCol="0" anchor="ctr"/>
+          <a:lstStyle/>
+          <a:p>
+            <a:pPr algn="ctr"/>
+            <a:endParaRPr lang="en-GB"/>
+          </a:p>
+        </p:txBody>
+      </p:sp>
+      <p:sp>
+        <p:nvSpPr>
+          <p:cNvPr id="18" name="Rectangle 17">
+            <a:extLst>
+              <a:ext uri="{FF2B5EF4-FFF2-40B4-BE49-F238E27FC236}">
+                <a16:creationId xmlns:a16="http://schemas.microsoft.com/office/drawing/2014/main" id="{50072B4E-C42B-451D-4415-C1436FCB0FD8}"/>
+              </a:ext>
+            </a:extLst>
+          </p:cNvPr>
+          <p:cNvSpPr/>
+          <p:nvPr/>
+        </p:nvSpPr>
+        <p:spPr>
+          <a:xfrm>
+            <a:off x="1252206" y="464603"/>
+            <a:ext cx="589841" cy="136427"/>
+          </a:xfrm>
+          <a:prstGeom prst="rect">
+            <a:avLst/>
+          </a:prstGeom>
+          <a:solidFill>
+            <a:srgbClr val="FF0066"/>
+          </a:solidFill>
+          <a:ln>
+            <a:noFill/>
+          </a:ln>
+        </p:spPr>
+        <p:style>
+          <a:lnRef idx="2">
+            <a:schemeClr val="accent1">
+              <a:shade val="15000"/>
+            </a:schemeClr>
+          </a:lnRef>
+          <a:fillRef idx="1">
+            <a:schemeClr val="accent1"/>
+          </a:fillRef>
+          <a:effectRef idx="0">
+            <a:schemeClr val="accent1"/>
+          </a:effectRef>
+          <a:fontRef idx="minor">
+            <a:schemeClr val="lt1"/>
+          </a:fontRef>
+        </p:style>
+        <p:txBody>
+          <a:bodyPr rtlCol="0" anchor="ctr"/>
+          <a:lstStyle/>
+          <a:p>
+            <a:pPr algn="ctr"/>
+            <a:endParaRPr lang="en-GB"/>
+          </a:p>
+        </p:txBody>
+      </p:sp>
+      <p:cxnSp>
+        <p:nvCxnSpPr>
+          <p:cNvPr id="19" name="Straight Connector 18">
+            <a:extLst>
+              <a:ext uri="{FF2B5EF4-FFF2-40B4-BE49-F238E27FC236}">
+                <a16:creationId xmlns:a16="http://schemas.microsoft.com/office/drawing/2014/main" id="{B6A9D35A-D10D-BE9E-8F33-35348A37A8D5}"/>
+              </a:ext>
+            </a:extLst>
+          </p:cNvPr>
+          <p:cNvCxnSpPr>
+            <a:cxnSpLocks/>
+          </p:cNvCxnSpPr>
+          <p:nvPr/>
+        </p:nvCxnSpPr>
+        <p:spPr>
+          <a:xfrm>
+            <a:off x="1528257" y="532816"/>
+            <a:ext cx="720000" cy="0"/>
+          </a:xfrm>
+          <a:prstGeom prst="line">
+            <a:avLst/>
+          </a:prstGeom>
+          <a:ln w="12700">
+            <a:solidFill>
+              <a:schemeClr val="tx1">
+                <a:lumMod val="75000"/>
+                <a:lumOff val="25000"/>
+              </a:schemeClr>
+            </a:solidFill>
+          </a:ln>
+        </p:spPr>
+        <p:style>
+          <a:lnRef idx="2">
+            <a:schemeClr val="accent1"/>
+          </a:lnRef>
+          <a:fillRef idx="0">
+            <a:schemeClr val="accent1"/>
+          </a:fillRef>
+          <a:effectRef idx="1">
+            <a:schemeClr val="accent1"/>
+          </a:effectRef>
+          <a:fontRef idx="minor">
+            <a:schemeClr val="tx1"/>
+          </a:fontRef>
+        </p:style>
+      </p:cxnSp>
+      <p:cxnSp>
+        <p:nvCxnSpPr>
+          <p:cNvPr id="20" name="Straight Connector 19">
+            <a:extLst>
+              <a:ext uri="{FF2B5EF4-FFF2-40B4-BE49-F238E27FC236}">
+                <a16:creationId xmlns:a16="http://schemas.microsoft.com/office/drawing/2014/main" id="{34D37ED8-79E0-0A8E-34AA-EC67A5563BAE}"/>
+              </a:ext>
+            </a:extLst>
+          </p:cNvPr>
+          <p:cNvCxnSpPr>
+            <a:cxnSpLocks/>
+          </p:cNvCxnSpPr>
+          <p:nvPr/>
+        </p:nvCxnSpPr>
+        <p:spPr>
+          <a:xfrm rot="5400000">
+            <a:off x="2212633" y="532816"/>
+            <a:ext cx="90000" cy="0"/>
+          </a:xfrm>
+          <a:prstGeom prst="line">
+            <a:avLst/>
+          </a:prstGeom>
+          <a:ln w="12700">
+            <a:solidFill>
+              <a:schemeClr val="tx1">
+                <a:lumMod val="75000"/>
+                <a:lumOff val="25000"/>
+              </a:schemeClr>
+            </a:solidFill>
+          </a:ln>
+        </p:spPr>
+        <p:style>
+          <a:lnRef idx="2">
+            <a:schemeClr val="accent1"/>
+          </a:lnRef>
+          <a:fillRef idx="0">
+            <a:schemeClr val="accent1"/>
+          </a:fillRef>
+          <a:effectRef idx="1">
+            <a:schemeClr val="accent1"/>
+          </a:effectRef>
+          <a:fontRef idx="minor">
+            <a:schemeClr val="tx1"/>
+          </a:fontRef>
+        </p:style>
+      </p:cxnSp>
+      <p:cxnSp>
+        <p:nvCxnSpPr>
+          <p:cNvPr id="21" name="Straight Connector 20">
+            <a:extLst>
+              <a:ext uri="{FF2B5EF4-FFF2-40B4-BE49-F238E27FC236}">
+                <a16:creationId xmlns:a16="http://schemas.microsoft.com/office/drawing/2014/main" id="{6416FD4B-8177-F979-6DD2-E31D8A83F824}"/>
+              </a:ext>
+            </a:extLst>
+          </p:cNvPr>
+          <p:cNvCxnSpPr>
+            <a:cxnSpLocks/>
+          </p:cNvCxnSpPr>
+          <p:nvPr/>
+        </p:nvCxnSpPr>
+        <p:spPr>
+          <a:xfrm rot="5400000">
+            <a:off x="1483257" y="532816"/>
+            <a:ext cx="90000" cy="0"/>
+          </a:xfrm>
+          <a:prstGeom prst="line">
+            <a:avLst/>
+          </a:prstGeom>
+          <a:ln w="12700">
+            <a:solidFill>
+              <a:schemeClr val="tx1">
+                <a:lumMod val="75000"/>
+                <a:lumOff val="25000"/>
+              </a:schemeClr>
+            </a:solidFill>
+          </a:ln>
+        </p:spPr>
+        <p:style>
+          <a:lnRef idx="2">
+            <a:schemeClr val="accent1"/>
+          </a:lnRef>
+          <a:fillRef idx="0">
+            <a:schemeClr val="accent1"/>
+          </a:fillRef>
+          <a:effectRef idx="1">
+            <a:schemeClr val="accent1"/>
+          </a:effectRef>
+          <a:fontRef idx="minor">
+            <a:schemeClr val="tx1"/>
+          </a:fontRef>
+        </p:style>
+      </p:cxnSp>
+      <p:sp>
+        <p:nvSpPr>
+          <p:cNvPr id="22" name="Rectangle 21">
+            <a:extLst>
+              <a:ext uri="{FF2B5EF4-FFF2-40B4-BE49-F238E27FC236}">
+                <a16:creationId xmlns:a16="http://schemas.microsoft.com/office/drawing/2014/main" id="{98170143-B2DC-A44F-7057-FC8926A6288E}"/>
+              </a:ext>
+            </a:extLst>
+          </p:cNvPr>
+          <p:cNvSpPr/>
+          <p:nvPr/>
+        </p:nvSpPr>
+        <p:spPr>
+          <a:xfrm>
+            <a:off x="1281075" y="535468"/>
+            <a:ext cx="493980" cy="255919"/>
+          </a:xfrm>
+          <a:prstGeom prst="rect">
+            <a:avLst/>
+          </a:prstGeom>
+          <a:noFill/>
+          <a:ln w="3175">
+            <a:noFill/>
+          </a:ln>
+        </p:spPr>
+        <p:style>
+          <a:lnRef idx="2">
+            <a:schemeClr val="accent1">
+              <a:shade val="15000"/>
+            </a:schemeClr>
+          </a:lnRef>
+          <a:fillRef idx="1">
+            <a:schemeClr val="accent1"/>
+          </a:fillRef>
+          <a:effectRef idx="0">
+            <a:schemeClr val="accent1"/>
+          </a:effectRef>
+          <a:fontRef idx="minor">
+            <a:schemeClr val="lt1"/>
+          </a:fontRef>
+        </p:style>
+        <p:txBody>
+          <a:bodyPr rtlCol="0" anchor="ctr"/>
+          <a:lstStyle/>
+          <a:p>
+            <a:pPr algn="ctr"/>
+            <a:r>
+              <a:rPr lang="en-US" sz="800" dirty="0">
+                <a:solidFill>
+                  <a:schemeClr val="tx1">
+                    <a:lumMod val="75000"/>
+                    <a:lumOff val="25000"/>
+                  </a:schemeClr>
+                </a:solidFill>
+                <a:latin typeface="Calibri Light" panose="020F0302020204030204" pitchFamily="34" charset="0"/>
+                <a:cs typeface="Calibri Light" panose="020F0302020204030204" pitchFamily="34" charset="0"/>
+              </a:rPr>
+              <a:t>min</a:t>
+            </a:r>
+            <a:endParaRPr lang="en-GB" sz="800" dirty="0">
+              <a:solidFill>
+                <a:schemeClr val="tx1">
+                  <a:lumMod val="75000"/>
+                  <a:lumOff val="25000"/>
+                </a:schemeClr>
+              </a:solidFill>
+              <a:latin typeface="Calibri Light" panose="020F0302020204030204" pitchFamily="34" charset="0"/>
+              <a:cs typeface="Calibri Light" panose="020F0302020204030204" pitchFamily="34" charset="0"/>
+            </a:endParaRPr>
+          </a:p>
+        </p:txBody>
+      </p:sp>
+      <p:sp>
+        <p:nvSpPr>
+          <p:cNvPr id="23" name="Rectangle 22">
+            <a:extLst>
+              <a:ext uri="{FF2B5EF4-FFF2-40B4-BE49-F238E27FC236}">
+                <a16:creationId xmlns:a16="http://schemas.microsoft.com/office/drawing/2014/main" id="{0B603991-2648-4214-465D-5872813B8345}"/>
+              </a:ext>
+            </a:extLst>
+          </p:cNvPr>
+          <p:cNvSpPr/>
+          <p:nvPr/>
+        </p:nvSpPr>
+        <p:spPr>
+          <a:xfrm>
+            <a:off x="2010205" y="535468"/>
+            <a:ext cx="493980" cy="255919"/>
+          </a:xfrm>
+          <a:prstGeom prst="rect">
+            <a:avLst/>
+          </a:prstGeom>
+          <a:noFill/>
+          <a:ln w="3175">
+            <a:noFill/>
+          </a:ln>
+        </p:spPr>
+        <p:style>
+          <a:lnRef idx="2">
+            <a:schemeClr val="accent1">
+              <a:shade val="15000"/>
+            </a:schemeClr>
+          </a:lnRef>
+          <a:fillRef idx="1">
+            <a:schemeClr val="accent1"/>
+          </a:fillRef>
+          <a:effectRef idx="0">
+            <a:schemeClr val="accent1"/>
+          </a:effectRef>
+          <a:fontRef idx="minor">
+            <a:schemeClr val="lt1"/>
+          </a:fontRef>
+        </p:style>
+        <p:txBody>
+          <a:bodyPr rtlCol="0" anchor="ctr"/>
+          <a:lstStyle/>
+          <a:p>
+            <a:pPr algn="ctr"/>
+            <a:r>
+              <a:rPr lang="en-US" sz="800" dirty="0">
+                <a:solidFill>
+                  <a:schemeClr val="tx1">
+                    <a:lumMod val="75000"/>
+                    <a:lumOff val="25000"/>
+                  </a:schemeClr>
+                </a:solidFill>
+                <a:latin typeface="Calibri Light" panose="020F0302020204030204" pitchFamily="34" charset="0"/>
+                <a:cs typeface="Calibri Light" panose="020F0302020204030204" pitchFamily="34" charset="0"/>
+              </a:rPr>
+              <a:t>max</a:t>
+            </a:r>
+            <a:endParaRPr lang="en-GB" sz="800" dirty="0">
+              <a:solidFill>
+                <a:schemeClr val="tx1">
+                  <a:lumMod val="75000"/>
+                  <a:lumOff val="25000"/>
+                </a:schemeClr>
+              </a:solidFill>
+              <a:latin typeface="Calibri Light" panose="020F0302020204030204" pitchFamily="34" charset="0"/>
+              <a:cs typeface="Calibri Light" panose="020F0302020204030204" pitchFamily="34" charset="0"/>
             </a:endParaRPr>
           </a:p>
         </p:txBody>
